--- a/Study/09. Pagination/Pagination.pptx
+++ b/Study/09. Pagination/Pagination.pptx
@@ -838,7 +838,7 @@
           <a:p>
             <a:fld id="{B6FB7DCD-5BA3-48A2-BE8C-591555253DD2}" type="datetimeFigureOut">
               <a:rPr lang="ko-KR" altLang="en-US" smtClean="0"/>
-              <a:t>2020-07-02</a:t>
+              <a:t>2020-07-03</a:t>
             </a:fld>
             <a:endParaRPr lang="ko-KR" altLang="en-US"/>
           </a:p>
@@ -1089,7 +1089,7 @@
           <a:p>
             <a:fld id="{B6FB7DCD-5BA3-48A2-BE8C-591555253DD2}" type="datetimeFigureOut">
               <a:rPr lang="ko-KR" altLang="en-US" smtClean="0"/>
-              <a:t>2020-07-02</a:t>
+              <a:t>2020-07-03</a:t>
             </a:fld>
             <a:endParaRPr lang="ko-KR" altLang="en-US"/>
           </a:p>
@@ -1403,7 +1403,7 @@
           <a:p>
             <a:fld id="{B6FB7DCD-5BA3-48A2-BE8C-591555253DD2}" type="datetimeFigureOut">
               <a:rPr lang="ko-KR" altLang="en-US" smtClean="0"/>
-              <a:t>2020-07-02</a:t>
+              <a:t>2020-07-03</a:t>
             </a:fld>
             <a:endParaRPr lang="ko-KR" altLang="en-US"/>
           </a:p>
@@ -1744,7 +1744,7 @@
           <a:p>
             <a:fld id="{B6FB7DCD-5BA3-48A2-BE8C-591555253DD2}" type="datetimeFigureOut">
               <a:rPr lang="ko-KR" altLang="en-US" smtClean="0"/>
-              <a:t>2020-07-02</a:t>
+              <a:t>2020-07-03</a:t>
             </a:fld>
             <a:endParaRPr lang="ko-KR" altLang="en-US"/>
           </a:p>
@@ -2058,7 +2058,7 @@
           <a:p>
             <a:fld id="{B6FB7DCD-5BA3-48A2-BE8C-591555253DD2}" type="datetimeFigureOut">
               <a:rPr lang="ko-KR" altLang="en-US" smtClean="0"/>
-              <a:t>2020-07-02</a:t>
+              <a:t>2020-07-03</a:t>
             </a:fld>
             <a:endParaRPr lang="ko-KR" altLang="en-US"/>
           </a:p>
@@ -2451,7 +2451,7 @@
           <a:p>
             <a:fld id="{B6FB7DCD-5BA3-48A2-BE8C-591555253DD2}" type="datetimeFigureOut">
               <a:rPr lang="ko-KR" altLang="en-US" smtClean="0"/>
-              <a:t>2020-07-02</a:t>
+              <a:t>2020-07-03</a:t>
             </a:fld>
             <a:endParaRPr lang="ko-KR" altLang="en-US"/>
           </a:p>
@@ -2621,7 +2621,7 @@
           <a:p>
             <a:fld id="{B6FB7DCD-5BA3-48A2-BE8C-591555253DD2}" type="datetimeFigureOut">
               <a:rPr lang="ko-KR" altLang="en-US" smtClean="0"/>
-              <a:t>2020-07-02</a:t>
+              <a:t>2020-07-03</a:t>
             </a:fld>
             <a:endParaRPr lang="ko-KR" altLang="en-US"/>
           </a:p>
@@ -2801,7 +2801,7 @@
           <a:p>
             <a:fld id="{B6FB7DCD-5BA3-48A2-BE8C-591555253DD2}" type="datetimeFigureOut">
               <a:rPr lang="ko-KR" altLang="en-US" smtClean="0"/>
-              <a:t>2020-07-02</a:t>
+              <a:t>2020-07-03</a:t>
             </a:fld>
             <a:endParaRPr lang="ko-KR" altLang="en-US"/>
           </a:p>
@@ -2977,7 +2977,7 @@
           <a:p>
             <a:fld id="{B6FB7DCD-5BA3-48A2-BE8C-591555253DD2}" type="datetimeFigureOut">
               <a:rPr lang="ko-KR" altLang="en-US" smtClean="0"/>
-              <a:t>2020-07-02</a:t>
+              <a:t>2020-07-03</a:t>
             </a:fld>
             <a:endParaRPr lang="ko-KR" altLang="en-US"/>
           </a:p>
@@ -3224,7 +3224,7 @@
           <a:p>
             <a:fld id="{B6FB7DCD-5BA3-48A2-BE8C-591555253DD2}" type="datetimeFigureOut">
               <a:rPr lang="ko-KR" altLang="en-US" smtClean="0"/>
-              <a:t>2020-07-02</a:t>
+              <a:t>2020-07-03</a:t>
             </a:fld>
             <a:endParaRPr lang="ko-KR" altLang="en-US"/>
           </a:p>
@@ -3456,7 +3456,7 @@
           <a:p>
             <a:fld id="{B6FB7DCD-5BA3-48A2-BE8C-591555253DD2}" type="datetimeFigureOut">
               <a:rPr lang="ko-KR" altLang="en-US" smtClean="0"/>
-              <a:t>2020-07-02</a:t>
+              <a:t>2020-07-03</a:t>
             </a:fld>
             <a:endParaRPr lang="ko-KR" altLang="en-US"/>
           </a:p>
@@ -3830,7 +3830,7 @@
           <a:p>
             <a:fld id="{B6FB7DCD-5BA3-48A2-BE8C-591555253DD2}" type="datetimeFigureOut">
               <a:rPr lang="ko-KR" altLang="en-US" smtClean="0"/>
-              <a:t>2020-07-02</a:t>
+              <a:t>2020-07-03</a:t>
             </a:fld>
             <a:endParaRPr lang="ko-KR" altLang="en-US"/>
           </a:p>
@@ -3953,7 +3953,7 @@
           <a:p>
             <a:fld id="{B6FB7DCD-5BA3-48A2-BE8C-591555253DD2}" type="datetimeFigureOut">
               <a:rPr lang="ko-KR" altLang="en-US" smtClean="0"/>
-              <a:t>2020-07-02</a:t>
+              <a:t>2020-07-03</a:t>
             </a:fld>
             <a:endParaRPr lang="ko-KR" altLang="en-US"/>
           </a:p>
@@ -4048,7 +4048,7 @@
           <a:p>
             <a:fld id="{B6FB7DCD-5BA3-48A2-BE8C-591555253DD2}" type="datetimeFigureOut">
               <a:rPr lang="ko-KR" altLang="en-US" smtClean="0"/>
-              <a:t>2020-07-02</a:t>
+              <a:t>2020-07-03</a:t>
             </a:fld>
             <a:endParaRPr lang="ko-KR" altLang="en-US"/>
           </a:p>
@@ -4303,7 +4303,7 @@
           <a:p>
             <a:fld id="{B6FB7DCD-5BA3-48A2-BE8C-591555253DD2}" type="datetimeFigureOut">
               <a:rPr lang="ko-KR" altLang="en-US" smtClean="0"/>
-              <a:t>2020-07-02</a:t>
+              <a:t>2020-07-03</a:t>
             </a:fld>
             <a:endParaRPr lang="ko-KR" altLang="en-US"/>
           </a:p>
@@ -4566,7 +4566,7 @@
           <a:p>
             <a:fld id="{B6FB7DCD-5BA3-48A2-BE8C-591555253DD2}" type="datetimeFigureOut">
               <a:rPr lang="ko-KR" altLang="en-US" smtClean="0"/>
-              <a:t>2020-07-02</a:t>
+              <a:t>2020-07-03</a:t>
             </a:fld>
             <a:endParaRPr lang="ko-KR" altLang="en-US"/>
           </a:p>
@@ -5309,7 +5309,7 @@
           <a:p>
             <a:fld id="{B6FB7DCD-5BA3-48A2-BE8C-591555253DD2}" type="datetimeFigureOut">
               <a:rPr lang="ko-KR" altLang="en-US" smtClean="0"/>
-              <a:t>2020-07-02</a:t>
+              <a:t>2020-07-03</a:t>
             </a:fld>
             <a:endParaRPr lang="ko-KR" altLang="en-US"/>
           </a:p>
@@ -6247,6 +6247,66 @@
           </a:p>
         </p:txBody>
       </p:sp>
+      <p:pic>
+        <p:nvPicPr>
+          <p:cNvPr id="3" name="그림 2">
+            <a:extLst>
+              <a:ext uri="{FF2B5EF4-FFF2-40B4-BE49-F238E27FC236}">
+                <a16:creationId xmlns:a16="http://schemas.microsoft.com/office/drawing/2014/main" id="{6B77073F-5551-490B-B135-F04F5DAB5D2E}"/>
+              </a:ext>
+            </a:extLst>
+          </p:cNvPr>
+          <p:cNvPicPr>
+            <a:picLocks noChangeAspect="1"/>
+          </p:cNvPicPr>
+          <p:nvPr/>
+        </p:nvPicPr>
+        <p:blipFill>
+          <a:blip r:embed="rId2"/>
+          <a:stretch>
+            <a:fillRect/>
+          </a:stretch>
+        </p:blipFill>
+        <p:spPr>
+          <a:xfrm>
+            <a:off x="263645" y="1876208"/>
+            <a:ext cx="7170826" cy="1359122"/>
+          </a:xfrm>
+          <a:prstGeom prst="rect">
+            <a:avLst/>
+          </a:prstGeom>
+        </p:spPr>
+      </p:pic>
+      <p:pic>
+        <p:nvPicPr>
+          <p:cNvPr id="4" name="그림 3">
+            <a:extLst>
+              <a:ext uri="{FF2B5EF4-FFF2-40B4-BE49-F238E27FC236}">
+                <a16:creationId xmlns:a16="http://schemas.microsoft.com/office/drawing/2014/main" id="{045F0BCB-9C0B-4D97-B04D-3719CDC3E145}"/>
+              </a:ext>
+            </a:extLst>
+          </p:cNvPr>
+          <p:cNvPicPr>
+            <a:picLocks noChangeAspect="1"/>
+          </p:cNvPicPr>
+          <p:nvPr/>
+        </p:nvPicPr>
+        <p:blipFill>
+          <a:blip r:embed="rId3"/>
+          <a:stretch>
+            <a:fillRect/>
+          </a:stretch>
+        </p:blipFill>
+        <p:spPr>
+          <a:xfrm>
+            <a:off x="263645" y="3984074"/>
+            <a:ext cx="6649378" cy="2133898"/>
+          </a:xfrm>
+          <a:prstGeom prst="rect">
+            <a:avLst/>
+          </a:prstGeom>
+        </p:spPr>
+      </p:pic>
     </p:spTree>
     <p:extLst>
       <p:ext uri="{BB962C8B-B14F-4D97-AF65-F5344CB8AC3E}">
@@ -6518,6 +6578,66 @@
           </a:p>
         </p:txBody>
       </p:sp>
+      <p:pic>
+        <p:nvPicPr>
+          <p:cNvPr id="3" name="그림 2">
+            <a:extLst>
+              <a:ext uri="{FF2B5EF4-FFF2-40B4-BE49-F238E27FC236}">
+                <a16:creationId xmlns:a16="http://schemas.microsoft.com/office/drawing/2014/main" id="{3094F7D3-A363-4454-88C8-EC980E257AB1}"/>
+              </a:ext>
+            </a:extLst>
+          </p:cNvPr>
+          <p:cNvPicPr>
+            <a:picLocks noChangeAspect="1"/>
+          </p:cNvPicPr>
+          <p:nvPr/>
+        </p:nvPicPr>
+        <p:blipFill>
+          <a:blip r:embed="rId2"/>
+          <a:stretch>
+            <a:fillRect/>
+          </a:stretch>
+        </p:blipFill>
+        <p:spPr>
+          <a:xfrm>
+            <a:off x="303991" y="1625818"/>
+            <a:ext cx="7316883" cy="3291394"/>
+          </a:xfrm>
+          <a:prstGeom prst="rect">
+            <a:avLst/>
+          </a:prstGeom>
+        </p:spPr>
+      </p:pic>
+      <p:pic>
+        <p:nvPicPr>
+          <p:cNvPr id="4" name="그림 3">
+            <a:extLst>
+              <a:ext uri="{FF2B5EF4-FFF2-40B4-BE49-F238E27FC236}">
+                <a16:creationId xmlns:a16="http://schemas.microsoft.com/office/drawing/2014/main" id="{BF0C8487-AA91-462B-8594-EDDAE5951A1D}"/>
+              </a:ext>
+            </a:extLst>
+          </p:cNvPr>
+          <p:cNvPicPr>
+            <a:picLocks noChangeAspect="1"/>
+          </p:cNvPicPr>
+          <p:nvPr/>
+        </p:nvPicPr>
+        <p:blipFill>
+          <a:blip r:embed="rId3"/>
+          <a:stretch>
+            <a:fillRect/>
+          </a:stretch>
+        </p:blipFill>
+        <p:spPr>
+          <a:xfrm>
+            <a:off x="408316" y="4955669"/>
+            <a:ext cx="7212558" cy="2222738"/>
+          </a:xfrm>
+          <a:prstGeom prst="rect">
+            <a:avLst/>
+          </a:prstGeom>
+        </p:spPr>
+      </p:pic>
     </p:spTree>
     <p:extLst>
       <p:ext uri="{BB962C8B-B14F-4D97-AF65-F5344CB8AC3E}">
@@ -6789,6 +6909,36 @@
           </a:p>
         </p:txBody>
       </p:sp>
+      <p:pic>
+        <p:nvPicPr>
+          <p:cNvPr id="3" name="그림 2">
+            <a:extLst>
+              <a:ext uri="{FF2B5EF4-FFF2-40B4-BE49-F238E27FC236}">
+                <a16:creationId xmlns:a16="http://schemas.microsoft.com/office/drawing/2014/main" id="{8A9B7E1F-B8F4-473B-9957-05AD5B63B5DF}"/>
+              </a:ext>
+            </a:extLst>
+          </p:cNvPr>
+          <p:cNvPicPr>
+            <a:picLocks noChangeAspect="1"/>
+          </p:cNvPicPr>
+          <p:nvPr/>
+        </p:nvPicPr>
+        <p:blipFill>
+          <a:blip r:embed="rId2"/>
+          <a:stretch>
+            <a:fillRect/>
+          </a:stretch>
+        </p:blipFill>
+        <p:spPr>
+          <a:xfrm>
+            <a:off x="340689" y="2196693"/>
+            <a:ext cx="7280185" cy="3327091"/>
+          </a:xfrm>
+          <a:prstGeom prst="rect">
+            <a:avLst/>
+          </a:prstGeom>
+        </p:spPr>
+      </p:pic>
     </p:spTree>
     <p:extLst>
       <p:ext uri="{BB962C8B-B14F-4D97-AF65-F5344CB8AC3E}">

--- a/Study/09. Pagination/Pagination.pptx
+++ b/Study/09. Pagination/Pagination.pptx
@@ -838,7 +838,7 @@
           <a:p>
             <a:fld id="{B6FB7DCD-5BA3-48A2-BE8C-591555253DD2}" type="datetimeFigureOut">
               <a:rPr lang="ko-KR" altLang="en-US" smtClean="0"/>
-              <a:t>2020-07-03</a:t>
+              <a:t>2020-07-06</a:t>
             </a:fld>
             <a:endParaRPr lang="ko-KR" altLang="en-US"/>
           </a:p>
@@ -1089,7 +1089,7 @@
           <a:p>
             <a:fld id="{B6FB7DCD-5BA3-48A2-BE8C-591555253DD2}" type="datetimeFigureOut">
               <a:rPr lang="ko-KR" altLang="en-US" smtClean="0"/>
-              <a:t>2020-07-03</a:t>
+              <a:t>2020-07-06</a:t>
             </a:fld>
             <a:endParaRPr lang="ko-KR" altLang="en-US"/>
           </a:p>
@@ -1403,7 +1403,7 @@
           <a:p>
             <a:fld id="{B6FB7DCD-5BA3-48A2-BE8C-591555253DD2}" type="datetimeFigureOut">
               <a:rPr lang="ko-KR" altLang="en-US" smtClean="0"/>
-              <a:t>2020-07-03</a:t>
+              <a:t>2020-07-06</a:t>
             </a:fld>
             <a:endParaRPr lang="ko-KR" altLang="en-US"/>
           </a:p>
@@ -1744,7 +1744,7 @@
           <a:p>
             <a:fld id="{B6FB7DCD-5BA3-48A2-BE8C-591555253DD2}" type="datetimeFigureOut">
               <a:rPr lang="ko-KR" altLang="en-US" smtClean="0"/>
-              <a:t>2020-07-03</a:t>
+              <a:t>2020-07-06</a:t>
             </a:fld>
             <a:endParaRPr lang="ko-KR" altLang="en-US"/>
           </a:p>
@@ -2058,7 +2058,7 @@
           <a:p>
             <a:fld id="{B6FB7DCD-5BA3-48A2-BE8C-591555253DD2}" type="datetimeFigureOut">
               <a:rPr lang="ko-KR" altLang="en-US" smtClean="0"/>
-              <a:t>2020-07-03</a:t>
+              <a:t>2020-07-06</a:t>
             </a:fld>
             <a:endParaRPr lang="ko-KR" altLang="en-US"/>
           </a:p>
@@ -2451,7 +2451,7 @@
           <a:p>
             <a:fld id="{B6FB7DCD-5BA3-48A2-BE8C-591555253DD2}" type="datetimeFigureOut">
               <a:rPr lang="ko-KR" altLang="en-US" smtClean="0"/>
-              <a:t>2020-07-03</a:t>
+              <a:t>2020-07-06</a:t>
             </a:fld>
             <a:endParaRPr lang="ko-KR" altLang="en-US"/>
           </a:p>
@@ -2621,7 +2621,7 @@
           <a:p>
             <a:fld id="{B6FB7DCD-5BA3-48A2-BE8C-591555253DD2}" type="datetimeFigureOut">
               <a:rPr lang="ko-KR" altLang="en-US" smtClean="0"/>
-              <a:t>2020-07-03</a:t>
+              <a:t>2020-07-06</a:t>
             </a:fld>
             <a:endParaRPr lang="ko-KR" altLang="en-US"/>
           </a:p>
@@ -2801,7 +2801,7 @@
           <a:p>
             <a:fld id="{B6FB7DCD-5BA3-48A2-BE8C-591555253DD2}" type="datetimeFigureOut">
               <a:rPr lang="ko-KR" altLang="en-US" smtClean="0"/>
-              <a:t>2020-07-03</a:t>
+              <a:t>2020-07-06</a:t>
             </a:fld>
             <a:endParaRPr lang="ko-KR" altLang="en-US"/>
           </a:p>
@@ -2977,7 +2977,7 @@
           <a:p>
             <a:fld id="{B6FB7DCD-5BA3-48A2-BE8C-591555253DD2}" type="datetimeFigureOut">
               <a:rPr lang="ko-KR" altLang="en-US" smtClean="0"/>
-              <a:t>2020-07-03</a:t>
+              <a:t>2020-07-06</a:t>
             </a:fld>
             <a:endParaRPr lang="ko-KR" altLang="en-US"/>
           </a:p>
@@ -3224,7 +3224,7 @@
           <a:p>
             <a:fld id="{B6FB7DCD-5BA3-48A2-BE8C-591555253DD2}" type="datetimeFigureOut">
               <a:rPr lang="ko-KR" altLang="en-US" smtClean="0"/>
-              <a:t>2020-07-03</a:t>
+              <a:t>2020-07-06</a:t>
             </a:fld>
             <a:endParaRPr lang="ko-KR" altLang="en-US"/>
           </a:p>
@@ -3456,7 +3456,7 @@
           <a:p>
             <a:fld id="{B6FB7DCD-5BA3-48A2-BE8C-591555253DD2}" type="datetimeFigureOut">
               <a:rPr lang="ko-KR" altLang="en-US" smtClean="0"/>
-              <a:t>2020-07-03</a:t>
+              <a:t>2020-07-06</a:t>
             </a:fld>
             <a:endParaRPr lang="ko-KR" altLang="en-US"/>
           </a:p>
@@ -3830,7 +3830,7 @@
           <a:p>
             <a:fld id="{B6FB7DCD-5BA3-48A2-BE8C-591555253DD2}" type="datetimeFigureOut">
               <a:rPr lang="ko-KR" altLang="en-US" smtClean="0"/>
-              <a:t>2020-07-03</a:t>
+              <a:t>2020-07-06</a:t>
             </a:fld>
             <a:endParaRPr lang="ko-KR" altLang="en-US"/>
           </a:p>
@@ -3953,7 +3953,7 @@
           <a:p>
             <a:fld id="{B6FB7DCD-5BA3-48A2-BE8C-591555253DD2}" type="datetimeFigureOut">
               <a:rPr lang="ko-KR" altLang="en-US" smtClean="0"/>
-              <a:t>2020-07-03</a:t>
+              <a:t>2020-07-06</a:t>
             </a:fld>
             <a:endParaRPr lang="ko-KR" altLang="en-US"/>
           </a:p>
@@ -4048,7 +4048,7 @@
           <a:p>
             <a:fld id="{B6FB7DCD-5BA3-48A2-BE8C-591555253DD2}" type="datetimeFigureOut">
               <a:rPr lang="ko-KR" altLang="en-US" smtClean="0"/>
-              <a:t>2020-07-03</a:t>
+              <a:t>2020-07-06</a:t>
             </a:fld>
             <a:endParaRPr lang="ko-KR" altLang="en-US"/>
           </a:p>
@@ -4303,7 +4303,7 @@
           <a:p>
             <a:fld id="{B6FB7DCD-5BA3-48A2-BE8C-591555253DD2}" type="datetimeFigureOut">
               <a:rPr lang="ko-KR" altLang="en-US" smtClean="0"/>
-              <a:t>2020-07-03</a:t>
+              <a:t>2020-07-06</a:t>
             </a:fld>
             <a:endParaRPr lang="ko-KR" altLang="en-US"/>
           </a:p>
@@ -4566,7 +4566,7 @@
           <a:p>
             <a:fld id="{B6FB7DCD-5BA3-48A2-BE8C-591555253DD2}" type="datetimeFigureOut">
               <a:rPr lang="ko-KR" altLang="en-US" smtClean="0"/>
-              <a:t>2020-07-03</a:t>
+              <a:t>2020-07-06</a:t>
             </a:fld>
             <a:endParaRPr lang="ko-KR" altLang="en-US"/>
           </a:p>
@@ -5309,7 +5309,7 @@
           <a:p>
             <a:fld id="{B6FB7DCD-5BA3-48A2-BE8C-591555253DD2}" type="datetimeFigureOut">
               <a:rPr lang="ko-KR" altLang="en-US" smtClean="0"/>
-              <a:t>2020-07-03</a:t>
+              <a:t>2020-07-06</a:t>
             </a:fld>
             <a:endParaRPr lang="ko-KR" altLang="en-US"/>
           </a:p>
@@ -6057,7 +6057,7 @@
         <p:spPr>
           <a:xfrm>
             <a:off x="7620874" y="2196693"/>
-            <a:ext cx="4470512" cy="1384995"/>
+            <a:ext cx="4470512" cy="3754874"/>
           </a:xfrm>
           <a:prstGeom prst="rect">
             <a:avLst/>
@@ -6074,64 +6074,236 @@
               <a:buChar char="-"/>
             </a:pPr>
             <a:r>
-              <a:rPr lang="en-US" altLang="ko-KR" sz="1400" dirty="0" err="1"/>
-              <a:t>WTForms</a:t>
+              <a:rPr lang="en-US" altLang="ko-KR" sz="1400" dirty="0"/>
+              <a:t>Home </a:t>
             </a:r>
             <a:r>
               <a:rPr lang="ko-KR" altLang="en-US" sz="1400" dirty="0"/>
-              <a:t>로 작업할 때 </a:t>
+              <a:t>화면에 </a:t>
             </a:r>
             <a:r>
               <a:rPr lang="en-US" altLang="ko-KR" sz="1400" dirty="0"/>
-              <a:t>class</a:t>
+              <a:t>post </a:t>
             </a:r>
             <a:r>
               <a:rPr lang="ko-KR" altLang="en-US" sz="1400" dirty="0"/>
-              <a:t>로 먼저 그 </a:t>
-            </a:r>
-            <a:r>
-              <a:rPr lang="en-US" altLang="ko-KR" sz="1400" dirty="0"/>
-              <a:t>forms</a:t>
-            </a:r>
-            <a:r>
-              <a:rPr lang="ko-KR" altLang="en-US" sz="1400" dirty="0"/>
-              <a:t>을 정의 </a:t>
-            </a:r>
-            <a:r>
-              <a:rPr lang="ko-KR" altLang="en-US" sz="1400" dirty="0" err="1"/>
-              <a:t>해야한다</a:t>
-            </a:r>
-            <a:r>
-              <a:rPr lang="en-US" altLang="ko-KR" sz="1400" dirty="0"/>
-              <a:t>.</a:t>
-            </a:r>
+              <a:t>밑에 페이지 버튼 추가하기</a:t>
+            </a:r>
+            <a:endParaRPr lang="en-US" altLang="ko-KR" sz="1400" dirty="0"/>
           </a:p>
           <a:p>
             <a:pPr marL="285750" indent="-285750">
               <a:buFontTx/>
               <a:buChar char="-"/>
             </a:pPr>
+            <a:endParaRPr lang="en-US" altLang="ko-KR" sz="1400" dirty="0"/>
+          </a:p>
+          <a:p>
+            <a:pPr marL="285750" indent="-285750">
+              <a:buFontTx/>
+              <a:buChar char="-"/>
+            </a:pPr>
+            <a:r>
+              <a:rPr lang="en-US" altLang="ko-KR" sz="1400" dirty="0"/>
+              <a:t>Page</a:t>
+            </a:r>
             <a:r>
               <a:rPr lang="ko-KR" altLang="en-US" sz="1400" dirty="0"/>
-              <a:t>어플리케이션을 여러 모듈로 쪼개고 </a:t>
+              <a:t> </a:t>
             </a:r>
             <a:r>
               <a:rPr lang="en-US" altLang="ko-KR" sz="1400" dirty="0"/>
-              <a:t>form</a:t>
+              <a:t>:</a:t>
+            </a:r>
+          </a:p>
+          <a:p>
+            <a:pPr marL="285750" indent="-285750">
+              <a:buFontTx/>
+              <a:buChar char="-"/>
+            </a:pPr>
+            <a:endParaRPr lang="en-US" altLang="ko-KR" sz="1400" dirty="0"/>
+          </a:p>
+          <a:p>
+            <a:pPr marL="285750" indent="-285750">
+              <a:buFontTx/>
+              <a:buChar char="-"/>
+            </a:pPr>
+            <a:r>
+              <a:rPr lang="en-US" altLang="ko-KR" sz="1400" dirty="0"/>
+              <a:t>User :</a:t>
+            </a:r>
+          </a:p>
+          <a:p>
+            <a:pPr marL="285750" indent="-285750">
+              <a:buFontTx/>
+              <a:buChar char="-"/>
+            </a:pPr>
+            <a:r>
+              <a:rPr lang="en-US" altLang="ko-KR" sz="1400" dirty="0"/>
+              <a:t>Post</a:t>
             </a:r>
             <a:r>
               <a:rPr lang="ko-KR" altLang="en-US" sz="1400" dirty="0"/>
-              <a:t>에 대한 분리된 모듈을 추가하는 것이 권고된다</a:t>
-            </a:r>
+              <a:t>에서 유저를 선택했을 경우 그 유저의 게시물만 </a:t>
+            </a:r>
+            <a:r>
+              <a:rPr lang="en-US" altLang="ko-KR" sz="1400" dirty="0" err="1"/>
+              <a:t>db</a:t>
+            </a:r>
+            <a:r>
+              <a:rPr lang="ko-KR" altLang="en-US" sz="1400" dirty="0"/>
+              <a:t>에서 가져옴</a:t>
+            </a:r>
+            <a:endParaRPr lang="en-US" altLang="ko-KR" sz="1400" dirty="0"/>
+          </a:p>
+          <a:p>
+            <a:pPr marL="285750" indent="-285750">
+              <a:buFontTx/>
+              <a:buChar char="-"/>
+            </a:pPr>
+            <a:endParaRPr lang="en-US" altLang="ko-KR" sz="1400" dirty="0"/>
+          </a:p>
+          <a:p>
+            <a:pPr marL="285750" indent="-285750">
+              <a:buFontTx/>
+              <a:buChar char="-"/>
+            </a:pPr>
+            <a:r>
+              <a:rPr lang="en-US" altLang="ko-KR" sz="1400" dirty="0"/>
+              <a:t>Posts :</a:t>
+            </a:r>
+          </a:p>
+          <a:p>
+            <a:pPr marL="285750" indent="-285750">
+              <a:buFontTx/>
+              <a:buChar char="-"/>
+            </a:pPr>
+            <a:r>
+              <a:rPr lang="en-US" altLang="ko-KR" sz="1400" dirty="0" err="1"/>
+              <a:t>Post.query.filter_by</a:t>
+            </a:r>
+            <a:r>
+              <a:rPr lang="en-US" altLang="ko-KR" sz="1400" dirty="0"/>
+              <a:t>(author=user) </a:t>
+            </a:r>
+          </a:p>
+          <a:p>
+            <a:pPr marL="285750" indent="-285750">
+              <a:buFontTx/>
+              <a:buChar char="-"/>
+            </a:pPr>
+            <a:r>
+              <a:rPr lang="ko-KR" altLang="en-US" sz="1400" dirty="0"/>
+              <a:t>선택된 유저의 게시물만 가져오고</a:t>
+            </a:r>
+            <a:endParaRPr lang="en-US" altLang="ko-KR" sz="1400" dirty="0"/>
+          </a:p>
+          <a:p>
+            <a:pPr marL="285750" indent="-285750">
+              <a:buFontTx/>
+              <a:buChar char="-"/>
+            </a:pPr>
             <a:r>
               <a:rPr lang="en-US" altLang="ko-KR" sz="1400" dirty="0"/>
               <a:t>.</a:t>
             </a:r>
-          </a:p>
-          <a:p>
+            <a:r>
+              <a:rPr lang="en-US" altLang="ko-KR" sz="1400" dirty="0" err="1"/>
+              <a:t>order_by</a:t>
+            </a:r>
+            <a:r>
+              <a:rPr lang="en-US" altLang="ko-KR" sz="1400" dirty="0"/>
+              <a:t>(</a:t>
+            </a:r>
+            <a:r>
+              <a:rPr lang="en-US" altLang="ko-KR" sz="1400" dirty="0" err="1"/>
+              <a:t>Post.date_posted.desc</a:t>
+            </a:r>
+            <a:r>
+              <a:rPr lang="en-US" altLang="ko-KR" sz="1400" dirty="0"/>
+              <a:t>())</a:t>
+            </a:r>
+          </a:p>
+          <a:p>
+            <a:pPr marL="285750" indent="-285750">
+              <a:buFontTx/>
+              <a:buChar char="-"/>
+            </a:pPr>
+            <a:r>
+              <a:rPr lang="ko-KR" altLang="en-US" sz="1400" dirty="0"/>
+              <a:t>가져온 게시물을 최신순으로 정렬</a:t>
+            </a:r>
             <a:endParaRPr lang="en-US" altLang="ko-KR" sz="1400" dirty="0"/>
           </a:p>
           <a:p>
+            <a:pPr marL="285750" indent="-285750">
+              <a:buFontTx/>
+              <a:buChar char="-"/>
+            </a:pPr>
+            <a:r>
+              <a:rPr lang="en-US" altLang="ko-KR" sz="1400" dirty="0"/>
+              <a:t>.paginate(page=page, </a:t>
+            </a:r>
+            <a:r>
+              <a:rPr lang="en-US" altLang="ko-KR" sz="1400" dirty="0" err="1"/>
+              <a:t>per_page</a:t>
+            </a:r>
+            <a:r>
+              <a:rPr lang="en-US" altLang="ko-KR" sz="1400" dirty="0"/>
+              <a:t>=5)</a:t>
+            </a:r>
+          </a:p>
+          <a:p>
+            <a:pPr marL="285750" indent="-285750">
+              <a:buFontTx/>
+              <a:buChar char="-"/>
+            </a:pPr>
+            <a:r>
+              <a:rPr lang="en-US" altLang="ko-KR" sz="1400" dirty="0" err="1"/>
+              <a:t>Per_page</a:t>
+            </a:r>
+            <a:r>
+              <a:rPr lang="ko-KR" altLang="en-US" sz="1400" dirty="0"/>
+              <a:t> 는 페이지당 몇 개의 게시물인지 선택</a:t>
+            </a:r>
+            <a:endParaRPr lang="en-US" altLang="ko-KR" sz="1400" dirty="0"/>
+          </a:p>
+          <a:p>
+            <a:pPr marL="285750" indent="-285750">
+              <a:buFontTx/>
+              <a:buChar char="-"/>
+            </a:pPr>
+            <a:endParaRPr lang="en-US" altLang="ko-KR" sz="1400" dirty="0"/>
+          </a:p>
+          <a:p>
+            <a:pPr marL="285750" indent="-285750">
+              <a:buFontTx/>
+              <a:buChar char="-"/>
+            </a:pPr>
+            <a:r>
+              <a:rPr lang="en-US" altLang="ko-KR" sz="1400" dirty="0"/>
+              <a:t>User_post.html</a:t>
+            </a:r>
+            <a:r>
+              <a:rPr lang="ko-KR" altLang="en-US" sz="1400" dirty="0"/>
+              <a:t>로 </a:t>
+            </a:r>
+            <a:r>
+              <a:rPr lang="ko-KR" altLang="en-US" sz="1400" dirty="0" err="1"/>
+              <a:t>렌더링되어</a:t>
+            </a:r>
+            <a:r>
+              <a:rPr lang="ko-KR" altLang="en-US" sz="1400" dirty="0"/>
+              <a:t> </a:t>
+            </a:r>
+            <a:r>
+              <a:rPr lang="ko-KR" altLang="en-US" sz="1400" dirty="0" err="1"/>
+              <a:t>웹브라우져에</a:t>
+            </a:r>
+            <a:r>
+              <a:rPr lang="ko-KR" altLang="en-US" sz="1400" dirty="0"/>
+              <a:t> 표시</a:t>
+            </a:r>
             <a:endParaRPr lang="en-US" altLang="ko-KR" sz="1400" dirty="0"/>
           </a:p>
         </p:txBody>
@@ -6299,8 +6471,8 @@
         </p:blipFill>
         <p:spPr>
           <a:xfrm>
-            <a:off x="263645" y="3984074"/>
-            <a:ext cx="6649378" cy="2133898"/>
+            <a:off x="263644" y="3744376"/>
+            <a:ext cx="7170825" cy="2301239"/>
           </a:xfrm>
           <a:prstGeom prst="rect">
             <a:avLst/>
@@ -6388,7 +6560,7 @@
         <p:spPr>
           <a:xfrm>
             <a:off x="7620874" y="2196693"/>
-            <a:ext cx="4470512" cy="1384995"/>
+            <a:ext cx="4470512" cy="3754874"/>
           </a:xfrm>
           <a:prstGeom prst="rect">
             <a:avLst/>
@@ -6405,36 +6577,8 @@
               <a:buChar char="-"/>
             </a:pPr>
             <a:r>
-              <a:rPr lang="en-US" altLang="ko-KR" sz="1400" dirty="0" err="1"/>
-              <a:t>WTForms</a:t>
-            </a:r>
-            <a:r>
-              <a:rPr lang="ko-KR" altLang="en-US" sz="1400" dirty="0"/>
-              <a:t>로 작업할 때 </a:t>
-            </a:r>
-            <a:r>
               <a:rPr lang="en-US" altLang="ko-KR" sz="1400" dirty="0"/>
-              <a:t>class</a:t>
-            </a:r>
-            <a:r>
-              <a:rPr lang="ko-KR" altLang="en-US" sz="1400" dirty="0"/>
-              <a:t>로 먼저 그 </a:t>
-            </a:r>
-            <a:r>
-              <a:rPr lang="en-US" altLang="ko-KR" sz="1400" dirty="0"/>
-              <a:t>forms</a:t>
-            </a:r>
-            <a:r>
-              <a:rPr lang="ko-KR" altLang="en-US" sz="1400" dirty="0"/>
-              <a:t>을 정의 </a:t>
-            </a:r>
-            <a:r>
-              <a:rPr lang="ko-KR" altLang="en-US" sz="1400" dirty="0" err="1"/>
-              <a:t>해야한다</a:t>
-            </a:r>
-            <a:r>
-              <a:rPr lang="en-US" altLang="ko-KR" sz="1400" dirty="0"/>
-              <a:t>.</a:t>
+              <a:t>&lt;a class&gt; </a:t>
             </a:r>
           </a:p>
           <a:p>
@@ -6443,16 +6587,84 @@
               <a:buChar char="-"/>
             </a:pPr>
             <a:r>
+              <a:rPr lang="en-US" altLang="ko-KR" sz="1400" dirty="0" err="1"/>
+              <a:t>url_for</a:t>
+            </a:r>
+            <a:r>
+              <a:rPr lang="en-US" altLang="ko-KR" sz="1400" dirty="0"/>
+              <a:t>(‘</a:t>
+            </a:r>
+            <a:r>
+              <a:rPr lang="en-US" altLang="ko-KR" sz="1400" dirty="0" err="1"/>
+              <a:t>user_posts</a:t>
+            </a:r>
+            <a:r>
+              <a:rPr lang="en-US" altLang="ko-KR" sz="1400" dirty="0"/>
+              <a:t>’, username=</a:t>
+            </a:r>
+            <a:r>
+              <a:rPr lang="en-US" altLang="ko-KR" sz="1400" dirty="0" err="1"/>
+              <a:t>post.author.username</a:t>
+            </a:r>
+            <a:r>
+              <a:rPr lang="en-US" altLang="ko-KR" sz="1400" dirty="0"/>
+              <a:t> </a:t>
+            </a:r>
+            <a:r>
               <a:rPr lang="ko-KR" altLang="en-US" sz="1400" dirty="0"/>
-              <a:t>어플리케이션을 여러 모듈로 쪼개고 </a:t>
+              <a:t>추가</a:t>
+            </a:r>
+            <a:endParaRPr lang="en-US" altLang="ko-KR" sz="1400" dirty="0"/>
+          </a:p>
+          <a:p>
+            <a:pPr marL="285750" indent="-285750">
+              <a:buFontTx/>
+              <a:buChar char="-"/>
+            </a:pPr>
+            <a:r>
+              <a:rPr lang="en-US" altLang="ko-KR" sz="1400" dirty="0" err="1"/>
+              <a:t>Post.date_posted.strftime</a:t>
             </a:r>
             <a:r>
               <a:rPr lang="en-US" altLang="ko-KR" sz="1400" dirty="0"/>
-              <a:t>form</a:t>
-            </a:r>
+              <a:t>(‘%Y-%m-%d)</a:t>
+            </a:r>
+          </a:p>
+          <a:p>
+            <a:pPr marL="285750" indent="-285750">
+              <a:buFontTx/>
+              <a:buChar char="-"/>
+            </a:pPr>
             <a:r>
               <a:rPr lang="ko-KR" altLang="en-US" sz="1400" dirty="0"/>
-              <a:t>에 대한 분리된 모듈을 추가하는 것이 권고된다</a:t>
+              <a:t>게시물이 업데이트된 시간 표시</a:t>
+            </a:r>
+            <a:endParaRPr lang="en-US" altLang="ko-KR" sz="1400" dirty="0"/>
+          </a:p>
+          <a:p>
+            <a:pPr marL="285750" indent="-285750">
+              <a:buFontTx/>
+              <a:buChar char="-"/>
+            </a:pPr>
+            <a:r>
+              <a:rPr lang="ko-KR" altLang="en-US" sz="1400" dirty="0"/>
+              <a:t>설정하지 않으면 시</a:t>
+            </a:r>
+            <a:r>
+              <a:rPr lang="en-US" altLang="ko-KR" sz="1400" dirty="0"/>
+              <a:t>-</a:t>
+            </a:r>
+            <a:r>
+              <a:rPr lang="ko-KR" altLang="en-US" sz="1400" dirty="0"/>
+              <a:t>분</a:t>
+            </a:r>
+            <a:r>
+              <a:rPr lang="en-US" altLang="ko-KR" sz="1400" dirty="0"/>
+              <a:t>-</a:t>
+            </a:r>
+            <a:r>
+              <a:rPr lang="ko-KR" altLang="en-US" sz="1400" dirty="0"/>
+              <a:t>초까지 나온다</a:t>
             </a:r>
             <a:r>
               <a:rPr lang="en-US" altLang="ko-KR" sz="1400" dirty="0"/>
@@ -6460,6 +6672,119 @@
             </a:r>
           </a:p>
           <a:p>
+            <a:pPr marL="285750" indent="-285750">
+              <a:buFontTx/>
+              <a:buChar char="-"/>
+            </a:pPr>
+            <a:endParaRPr lang="en-US" altLang="ko-KR" sz="1400" dirty="0"/>
+          </a:p>
+          <a:p>
+            <a:pPr marL="285750" indent="-285750">
+              <a:buFontTx/>
+              <a:buChar char="-"/>
+            </a:pPr>
+            <a:r>
+              <a:rPr lang="ko-KR" altLang="en-US" sz="1400" dirty="0"/>
+              <a:t>반복문으로 페이지 버튼에 대한 설정</a:t>
+            </a:r>
+            <a:endParaRPr lang="en-US" altLang="ko-KR" sz="1400" dirty="0"/>
+          </a:p>
+          <a:p>
+            <a:pPr marL="285750" indent="-285750">
+              <a:buFontTx/>
+              <a:buChar char="-"/>
+            </a:pPr>
+            <a:r>
+              <a:rPr lang="en-US" altLang="ko-KR" sz="1400" dirty="0" err="1"/>
+              <a:t>Posts.iter_pages</a:t>
+            </a:r>
+            <a:r>
+              <a:rPr lang="en-US" altLang="ko-KR" sz="1400" dirty="0"/>
+              <a:t>(</a:t>
+            </a:r>
+          </a:p>
+          <a:p>
+            <a:pPr marL="285750" indent="-285750">
+              <a:buFontTx/>
+              <a:buChar char="-"/>
+            </a:pPr>
+            <a:r>
+              <a:rPr lang="en-US" altLang="ko-KR" sz="1400" dirty="0" err="1"/>
+              <a:t>Left_edge</a:t>
+            </a:r>
+            <a:r>
+              <a:rPr lang="en-US" altLang="ko-KR" sz="1400" dirty="0"/>
+              <a:t>=1 : </a:t>
+            </a:r>
+            <a:r>
+              <a:rPr lang="ko-KR" altLang="en-US" sz="1400" dirty="0"/>
+              <a:t>제일 왼쪽에 버튼을 몇 개 남길지</a:t>
+            </a:r>
+            <a:endParaRPr lang="en-US" altLang="ko-KR" sz="1400" dirty="0"/>
+          </a:p>
+          <a:p>
+            <a:pPr marL="285750" indent="-285750">
+              <a:buFontTx/>
+              <a:buChar char="-"/>
+            </a:pPr>
+            <a:r>
+              <a:rPr lang="en-US" altLang="ko-KR" sz="1400" dirty="0" err="1"/>
+              <a:t>Right_edge</a:t>
+            </a:r>
+            <a:r>
+              <a:rPr lang="en-US" altLang="ko-KR" sz="1400" dirty="0"/>
+              <a:t>=1 : </a:t>
+            </a:r>
+            <a:r>
+              <a:rPr lang="ko-KR" altLang="en-US" sz="1400" dirty="0"/>
+              <a:t>제일 오른쪽에 버튼을 몇 개 남길지</a:t>
+            </a:r>
+            <a:endParaRPr lang="en-US" altLang="ko-KR" sz="1400" dirty="0"/>
+          </a:p>
+          <a:p>
+            <a:pPr marL="285750" indent="-285750">
+              <a:buFontTx/>
+              <a:buChar char="-"/>
+            </a:pPr>
+            <a:r>
+              <a:rPr lang="en-US" altLang="ko-KR" sz="1400" dirty="0" err="1"/>
+              <a:t>Left_current</a:t>
+            </a:r>
+            <a:r>
+              <a:rPr lang="en-US" altLang="ko-KR" sz="1400" dirty="0"/>
+              <a:t>=1 : </a:t>
+            </a:r>
+            <a:r>
+              <a:rPr lang="ko-KR" altLang="en-US" sz="1400" dirty="0"/>
+              <a:t>현재 페이지의 왼쪽에 버튼을 몇 개 남길지</a:t>
+            </a:r>
+            <a:endParaRPr lang="en-US" altLang="ko-KR" sz="1400" dirty="0"/>
+          </a:p>
+          <a:p>
+            <a:pPr marL="285750" indent="-285750">
+              <a:buFontTx/>
+              <a:buChar char="-"/>
+            </a:pPr>
+            <a:r>
+              <a:rPr lang="en-US" altLang="ko-KR" sz="1400" dirty="0" err="1"/>
+              <a:t>Right_current</a:t>
+            </a:r>
+            <a:r>
+              <a:rPr lang="en-US" altLang="ko-KR" sz="1400" dirty="0"/>
+              <a:t>=2 : </a:t>
+            </a:r>
+            <a:r>
+              <a:rPr lang="ko-KR" altLang="en-US" sz="1400" dirty="0"/>
+              <a:t>현재 페이지의 </a:t>
+            </a:r>
+            <a:r>
+              <a:rPr lang="ko-KR" altLang="en-US" sz="1400" dirty="0" err="1"/>
+              <a:t>오르쪽엔</a:t>
+            </a:r>
+            <a:r>
+              <a:rPr lang="ko-KR" altLang="en-US" sz="1400" dirty="0"/>
+              <a:t> 버튼을 몇 개 남길지</a:t>
+            </a:r>
             <a:endParaRPr lang="en-US" altLang="ko-KR" sz="1400" dirty="0"/>
           </a:p>
           <a:p>
@@ -6719,7 +7044,7 @@
         <p:spPr>
           <a:xfrm>
             <a:off x="7620874" y="2196693"/>
-            <a:ext cx="4470512" cy="1384995"/>
+            <a:ext cx="4470512" cy="1815882"/>
           </a:xfrm>
           <a:prstGeom prst="rect">
             <a:avLst/>
@@ -6736,37 +7061,14 @@
               <a:buChar char="-"/>
             </a:pPr>
             <a:r>
-              <a:rPr lang="en-US" altLang="ko-KR" sz="1400" dirty="0" err="1"/>
-              <a:t>WTForms</a:t>
+              <a:rPr lang="en-US" altLang="ko-KR" sz="1400" dirty="0"/>
+              <a:t>User_posets.html </a:t>
             </a:r>
             <a:r>
               <a:rPr lang="ko-KR" altLang="en-US" sz="1400" dirty="0"/>
-              <a:t>로 작업할 때 </a:t>
-            </a:r>
-            <a:r>
-              <a:rPr lang="en-US" altLang="ko-KR" sz="1400" dirty="0"/>
-              <a:t>class</a:t>
-            </a:r>
-            <a:r>
-              <a:rPr lang="ko-KR" altLang="en-US" sz="1400" dirty="0"/>
-              <a:t>로 먼저 그 </a:t>
-            </a:r>
-            <a:r>
-              <a:rPr lang="en-US" altLang="ko-KR" sz="1400" dirty="0"/>
-              <a:t>forms</a:t>
-            </a:r>
-            <a:r>
-              <a:rPr lang="ko-KR" altLang="en-US" sz="1400" dirty="0"/>
-              <a:t>을 정의 </a:t>
-            </a:r>
-            <a:r>
-              <a:rPr lang="ko-KR" altLang="en-US" sz="1400" dirty="0" err="1"/>
-              <a:t>해야한다</a:t>
-            </a:r>
-            <a:r>
-              <a:rPr lang="en-US" altLang="ko-KR" sz="1400" dirty="0"/>
-              <a:t>.</a:t>
-            </a:r>
+              <a:t>생성</a:t>
+            </a:r>
+            <a:endParaRPr lang="en-US" altLang="ko-KR" sz="1400" dirty="0"/>
           </a:p>
           <a:p>
             <a:pPr marL="285750" indent="-285750">
@@ -6774,21 +7076,74 @@
               <a:buChar char="-"/>
             </a:pPr>
             <a:r>
+              <a:rPr lang="en-US" altLang="ko-KR" sz="1400" dirty="0"/>
+              <a:t>Home.html</a:t>
+            </a:r>
+            <a:r>
               <a:rPr lang="ko-KR" altLang="en-US" sz="1400" dirty="0"/>
-              <a:t>어플리케이션을 여러 모듈로 쪼개고 </a:t>
-            </a:r>
+              <a:t> 그대로 복사해서 </a:t>
+            </a:r>
+            <a:endParaRPr lang="en-US" altLang="ko-KR" sz="1400" dirty="0"/>
+          </a:p>
+          <a:p>
+            <a:pPr marL="285750" indent="-285750">
+              <a:buFontTx/>
+              <a:buChar char="-"/>
+            </a:pPr>
             <a:r>
               <a:rPr lang="en-US" altLang="ko-KR" sz="1400" dirty="0"/>
-              <a:t>form</a:t>
+              <a:t>Block</a:t>
             </a:r>
             <a:r>
               <a:rPr lang="ko-KR" altLang="en-US" sz="1400" dirty="0"/>
-              <a:t>에 대한 분리된 모듈을 추가하는 것이 권고된다</a:t>
+              <a:t> </a:t>
             </a:r>
             <a:r>
               <a:rPr lang="en-US" altLang="ko-KR" sz="1400" dirty="0"/>
-              <a:t>.</a:t>
-            </a:r>
+              <a:t>content</a:t>
+            </a:r>
+            <a:r>
+              <a:rPr lang="ko-KR" altLang="en-US" sz="1400" dirty="0"/>
+              <a:t> 밑에 </a:t>
+            </a:r>
+            <a:endParaRPr lang="en-US" altLang="ko-KR" sz="1400" dirty="0"/>
+          </a:p>
+          <a:p>
+            <a:pPr marL="285750" indent="-285750">
+              <a:buFontTx/>
+              <a:buChar char="-"/>
+            </a:pPr>
+            <a:r>
+              <a:rPr lang="en-US" altLang="ko-KR" sz="1400" dirty="0"/>
+              <a:t>&lt;h1 class="mb-3"&gt;Posts by {{ </a:t>
+            </a:r>
+            <a:r>
+              <a:rPr lang="en-US" altLang="ko-KR" sz="1400" dirty="0" err="1"/>
+              <a:t>user.username</a:t>
+            </a:r>
+            <a:r>
+              <a:rPr lang="en-US" altLang="ko-KR" sz="1400" dirty="0"/>
+              <a:t> }} ({{ </a:t>
+            </a:r>
+            <a:r>
+              <a:rPr lang="en-US" altLang="ko-KR" sz="1400" dirty="0" err="1"/>
+              <a:t>posts.total</a:t>
+            </a:r>
+            <a:r>
+              <a:rPr lang="en-US" altLang="ko-KR" sz="1400" dirty="0"/>
+              <a:t> }})&lt;/h1&gt;</a:t>
+            </a:r>
+          </a:p>
+          <a:p>
+            <a:pPr marL="285750" indent="-285750">
+              <a:buFontTx/>
+              <a:buChar char="-"/>
+            </a:pPr>
+            <a:r>
+              <a:rPr lang="ko-KR" altLang="en-US" sz="1400" dirty="0"/>
+              <a:t>추가해서 사용자 페이지임을 알려준다</a:t>
+            </a:r>
+            <a:endParaRPr lang="en-US" altLang="ko-KR" sz="1400" dirty="0"/>
           </a:p>
           <a:p>
             <a:endParaRPr lang="en-US" altLang="ko-KR" sz="1400" dirty="0"/>

--- a/Study/09. Pagination/Pagination.pptx
+++ b/Study/09. Pagination/Pagination.pptx
@@ -838,7 +838,7 @@
           <a:p>
             <a:fld id="{B6FB7DCD-5BA3-48A2-BE8C-591555253DD2}" type="datetimeFigureOut">
               <a:rPr lang="ko-KR" altLang="en-US" smtClean="0"/>
-              <a:t>2020-07-06</a:t>
+              <a:t>2020-07-08</a:t>
             </a:fld>
             <a:endParaRPr lang="ko-KR" altLang="en-US"/>
           </a:p>
@@ -1089,7 +1089,7 @@
           <a:p>
             <a:fld id="{B6FB7DCD-5BA3-48A2-BE8C-591555253DD2}" type="datetimeFigureOut">
               <a:rPr lang="ko-KR" altLang="en-US" smtClean="0"/>
-              <a:t>2020-07-06</a:t>
+              <a:t>2020-07-08</a:t>
             </a:fld>
             <a:endParaRPr lang="ko-KR" altLang="en-US"/>
           </a:p>
@@ -1403,7 +1403,7 @@
           <a:p>
             <a:fld id="{B6FB7DCD-5BA3-48A2-BE8C-591555253DD2}" type="datetimeFigureOut">
               <a:rPr lang="ko-KR" altLang="en-US" smtClean="0"/>
-              <a:t>2020-07-06</a:t>
+              <a:t>2020-07-08</a:t>
             </a:fld>
             <a:endParaRPr lang="ko-KR" altLang="en-US"/>
           </a:p>
@@ -1744,7 +1744,7 @@
           <a:p>
             <a:fld id="{B6FB7DCD-5BA3-48A2-BE8C-591555253DD2}" type="datetimeFigureOut">
               <a:rPr lang="ko-KR" altLang="en-US" smtClean="0"/>
-              <a:t>2020-07-06</a:t>
+              <a:t>2020-07-08</a:t>
             </a:fld>
             <a:endParaRPr lang="ko-KR" altLang="en-US"/>
           </a:p>
@@ -2058,7 +2058,7 @@
           <a:p>
             <a:fld id="{B6FB7DCD-5BA3-48A2-BE8C-591555253DD2}" type="datetimeFigureOut">
               <a:rPr lang="ko-KR" altLang="en-US" smtClean="0"/>
-              <a:t>2020-07-06</a:t>
+              <a:t>2020-07-08</a:t>
             </a:fld>
             <a:endParaRPr lang="ko-KR" altLang="en-US"/>
           </a:p>
@@ -2451,7 +2451,7 @@
           <a:p>
             <a:fld id="{B6FB7DCD-5BA3-48A2-BE8C-591555253DD2}" type="datetimeFigureOut">
               <a:rPr lang="ko-KR" altLang="en-US" smtClean="0"/>
-              <a:t>2020-07-06</a:t>
+              <a:t>2020-07-08</a:t>
             </a:fld>
             <a:endParaRPr lang="ko-KR" altLang="en-US"/>
           </a:p>
@@ -2621,7 +2621,7 @@
           <a:p>
             <a:fld id="{B6FB7DCD-5BA3-48A2-BE8C-591555253DD2}" type="datetimeFigureOut">
               <a:rPr lang="ko-KR" altLang="en-US" smtClean="0"/>
-              <a:t>2020-07-06</a:t>
+              <a:t>2020-07-08</a:t>
             </a:fld>
             <a:endParaRPr lang="ko-KR" altLang="en-US"/>
           </a:p>
@@ -2801,7 +2801,7 @@
           <a:p>
             <a:fld id="{B6FB7DCD-5BA3-48A2-BE8C-591555253DD2}" type="datetimeFigureOut">
               <a:rPr lang="ko-KR" altLang="en-US" smtClean="0"/>
-              <a:t>2020-07-06</a:t>
+              <a:t>2020-07-08</a:t>
             </a:fld>
             <a:endParaRPr lang="ko-KR" altLang="en-US"/>
           </a:p>
@@ -2977,7 +2977,7 @@
           <a:p>
             <a:fld id="{B6FB7DCD-5BA3-48A2-BE8C-591555253DD2}" type="datetimeFigureOut">
               <a:rPr lang="ko-KR" altLang="en-US" smtClean="0"/>
-              <a:t>2020-07-06</a:t>
+              <a:t>2020-07-08</a:t>
             </a:fld>
             <a:endParaRPr lang="ko-KR" altLang="en-US"/>
           </a:p>
@@ -3224,7 +3224,7 @@
           <a:p>
             <a:fld id="{B6FB7DCD-5BA3-48A2-BE8C-591555253DD2}" type="datetimeFigureOut">
               <a:rPr lang="ko-KR" altLang="en-US" smtClean="0"/>
-              <a:t>2020-07-06</a:t>
+              <a:t>2020-07-08</a:t>
             </a:fld>
             <a:endParaRPr lang="ko-KR" altLang="en-US"/>
           </a:p>
@@ -3456,7 +3456,7 @@
           <a:p>
             <a:fld id="{B6FB7DCD-5BA3-48A2-BE8C-591555253DD2}" type="datetimeFigureOut">
               <a:rPr lang="ko-KR" altLang="en-US" smtClean="0"/>
-              <a:t>2020-07-06</a:t>
+              <a:t>2020-07-08</a:t>
             </a:fld>
             <a:endParaRPr lang="ko-KR" altLang="en-US"/>
           </a:p>
@@ -3830,7 +3830,7 @@
           <a:p>
             <a:fld id="{B6FB7DCD-5BA3-48A2-BE8C-591555253DD2}" type="datetimeFigureOut">
               <a:rPr lang="ko-KR" altLang="en-US" smtClean="0"/>
-              <a:t>2020-07-06</a:t>
+              <a:t>2020-07-08</a:t>
             </a:fld>
             <a:endParaRPr lang="ko-KR" altLang="en-US"/>
           </a:p>
@@ -3953,7 +3953,7 @@
           <a:p>
             <a:fld id="{B6FB7DCD-5BA3-48A2-BE8C-591555253DD2}" type="datetimeFigureOut">
               <a:rPr lang="ko-KR" altLang="en-US" smtClean="0"/>
-              <a:t>2020-07-06</a:t>
+              <a:t>2020-07-08</a:t>
             </a:fld>
             <a:endParaRPr lang="ko-KR" altLang="en-US"/>
           </a:p>
@@ -4048,7 +4048,7 @@
           <a:p>
             <a:fld id="{B6FB7DCD-5BA3-48A2-BE8C-591555253DD2}" type="datetimeFigureOut">
               <a:rPr lang="ko-KR" altLang="en-US" smtClean="0"/>
-              <a:t>2020-07-06</a:t>
+              <a:t>2020-07-08</a:t>
             </a:fld>
             <a:endParaRPr lang="ko-KR" altLang="en-US"/>
           </a:p>
@@ -4303,7 +4303,7 @@
           <a:p>
             <a:fld id="{B6FB7DCD-5BA3-48A2-BE8C-591555253DD2}" type="datetimeFigureOut">
               <a:rPr lang="ko-KR" altLang="en-US" smtClean="0"/>
-              <a:t>2020-07-06</a:t>
+              <a:t>2020-07-08</a:t>
             </a:fld>
             <a:endParaRPr lang="ko-KR" altLang="en-US"/>
           </a:p>
@@ -4566,7 +4566,7 @@
           <a:p>
             <a:fld id="{B6FB7DCD-5BA3-48A2-BE8C-591555253DD2}" type="datetimeFigureOut">
               <a:rPr lang="ko-KR" altLang="en-US" smtClean="0"/>
-              <a:t>2020-07-06</a:t>
+              <a:t>2020-07-08</a:t>
             </a:fld>
             <a:endParaRPr lang="ko-KR" altLang="en-US"/>
           </a:p>
@@ -5309,7 +5309,7 @@
           <a:p>
             <a:fld id="{B6FB7DCD-5BA3-48A2-BE8C-591555253DD2}" type="datetimeFigureOut">
               <a:rPr lang="ko-KR" altLang="en-US" smtClean="0"/>
-              <a:t>2020-07-06</a:t>
+              <a:t>2020-07-08</a:t>
             </a:fld>
             <a:endParaRPr lang="ko-KR" altLang="en-US"/>
           </a:p>
